--- a/Presentación1.pptx
+++ b/Presentación1.pptx
@@ -7,6 +7,7 @@
   <p:sldIdLst>
     <p:sldId id="256" r:id="rId2"/>
     <p:sldId id="257" r:id="rId3"/>
+    <p:sldId id="258" r:id="rId4"/>
   </p:sldIdLst>
   <p:sldSz cx="12192000" cy="6858000"/>
   <p:notesSz cx="6858000" cy="9144000"/>
@@ -105,6 +106,11 @@
       </a:defRPr>
     </a:lvl9pPr>
   </p:defaultTextStyle>
+  <p:extLst>
+    <p:ext uri="{EFAFB233-063F-42B5-8137-9DF3F51BA10A}">
+      <p15:sldGuideLst xmlns:p15="http://schemas.microsoft.com/office/powerpoint/2012/main"/>
+    </p:ext>
+  </p:extLst>
 </p:presentation>
 </file>
 
@@ -257,7 +263,7 @@
           <a:p>
             <a:fld id="{0D4719F5-E1F1-463B-BFED-F4423B842A8B}" type="datetimeFigureOut">
               <a:rPr lang="es-MX" smtClean="0"/>
-              <a:t>05/01/2025</a:t>
+              <a:t>22/02/2025</a:t>
             </a:fld>
             <a:endParaRPr lang="es-MX"/>
           </a:p>
@@ -457,7 +463,7 @@
           <a:p>
             <a:fld id="{0D4719F5-E1F1-463B-BFED-F4423B842A8B}" type="datetimeFigureOut">
               <a:rPr lang="es-MX" smtClean="0"/>
-              <a:t>05/01/2025</a:t>
+              <a:t>22/02/2025</a:t>
             </a:fld>
             <a:endParaRPr lang="es-MX"/>
           </a:p>
@@ -667,7 +673,7 @@
           <a:p>
             <a:fld id="{0D4719F5-E1F1-463B-BFED-F4423B842A8B}" type="datetimeFigureOut">
               <a:rPr lang="es-MX" smtClean="0"/>
-              <a:t>05/01/2025</a:t>
+              <a:t>22/02/2025</a:t>
             </a:fld>
             <a:endParaRPr lang="es-MX"/>
           </a:p>
@@ -867,7 +873,7 @@
           <a:p>
             <a:fld id="{0D4719F5-E1F1-463B-BFED-F4423B842A8B}" type="datetimeFigureOut">
               <a:rPr lang="es-MX" smtClean="0"/>
-              <a:t>05/01/2025</a:t>
+              <a:t>22/02/2025</a:t>
             </a:fld>
             <a:endParaRPr lang="es-MX"/>
           </a:p>
@@ -1143,7 +1149,7 @@
           <a:p>
             <a:fld id="{0D4719F5-E1F1-463B-BFED-F4423B842A8B}" type="datetimeFigureOut">
               <a:rPr lang="es-MX" smtClean="0"/>
-              <a:t>05/01/2025</a:t>
+              <a:t>22/02/2025</a:t>
             </a:fld>
             <a:endParaRPr lang="es-MX"/>
           </a:p>
@@ -1411,7 +1417,7 @@
           <a:p>
             <a:fld id="{0D4719F5-E1F1-463B-BFED-F4423B842A8B}" type="datetimeFigureOut">
               <a:rPr lang="es-MX" smtClean="0"/>
-              <a:t>05/01/2025</a:t>
+              <a:t>22/02/2025</a:t>
             </a:fld>
             <a:endParaRPr lang="es-MX"/>
           </a:p>
@@ -1826,7 +1832,7 @@
           <a:p>
             <a:fld id="{0D4719F5-E1F1-463B-BFED-F4423B842A8B}" type="datetimeFigureOut">
               <a:rPr lang="es-MX" smtClean="0"/>
-              <a:t>05/01/2025</a:t>
+              <a:t>22/02/2025</a:t>
             </a:fld>
             <a:endParaRPr lang="es-MX"/>
           </a:p>
@@ -1968,7 +1974,7 @@
           <a:p>
             <a:fld id="{0D4719F5-E1F1-463B-BFED-F4423B842A8B}" type="datetimeFigureOut">
               <a:rPr lang="es-MX" smtClean="0"/>
-              <a:t>05/01/2025</a:t>
+              <a:t>22/02/2025</a:t>
             </a:fld>
             <a:endParaRPr lang="es-MX"/>
           </a:p>
@@ -2081,7 +2087,7 @@
           <a:p>
             <a:fld id="{0D4719F5-E1F1-463B-BFED-F4423B842A8B}" type="datetimeFigureOut">
               <a:rPr lang="es-MX" smtClean="0"/>
-              <a:t>05/01/2025</a:t>
+              <a:t>22/02/2025</a:t>
             </a:fld>
             <a:endParaRPr lang="es-MX"/>
           </a:p>
@@ -2394,7 +2400,7 @@
           <a:p>
             <a:fld id="{0D4719F5-E1F1-463B-BFED-F4423B842A8B}" type="datetimeFigureOut">
               <a:rPr lang="es-MX" smtClean="0"/>
-              <a:t>05/01/2025</a:t>
+              <a:t>22/02/2025</a:t>
             </a:fld>
             <a:endParaRPr lang="es-MX"/>
           </a:p>
@@ -2683,7 +2689,7 @@
           <a:p>
             <a:fld id="{0D4719F5-E1F1-463B-BFED-F4423B842A8B}" type="datetimeFigureOut">
               <a:rPr lang="es-MX" smtClean="0"/>
-              <a:t>05/01/2025</a:t>
+              <a:t>22/02/2025</a:t>
             </a:fld>
             <a:endParaRPr lang="es-MX"/>
           </a:p>
@@ -2926,7 +2932,7 @@
           <a:p>
             <a:fld id="{0D4719F5-E1F1-463B-BFED-F4423B842A8B}" type="datetimeFigureOut">
               <a:rPr lang="es-MX" smtClean="0"/>
-              <a:t>05/01/2025</a:t>
+              <a:t>22/02/2025</a:t>
             </a:fld>
             <a:endParaRPr lang="es-MX"/>
           </a:p>
@@ -4781,10 +4787,570 @@
       </p:grpSpPr>
       <p:sp>
         <p:nvSpPr>
+          <p:cNvPr id="3" name="Rectángulo 2">
+            <a:extLst>
+              <a:ext uri="{FF2B5EF4-FFF2-40B4-BE49-F238E27FC236}">
+                <a16:creationId xmlns:a16="http://schemas.microsoft.com/office/drawing/2014/main" id="{15EF1A56-3F13-8E40-08AF-11DEB22DAB55}"/>
+              </a:ext>
+            </a:extLst>
+          </p:cNvPr>
+          <p:cNvSpPr/>
+          <p:nvPr/>
+        </p:nvSpPr>
+        <p:spPr>
+          <a:xfrm>
+            <a:off x="45248" y="-2"/>
+            <a:ext cx="12192000" cy="6858001"/>
+          </a:xfrm>
+          <a:prstGeom prst="rect">
+            <a:avLst/>
+          </a:prstGeom>
+          <a:solidFill>
+            <a:schemeClr val="tx1">
+              <a:lumMod val="95000"/>
+              <a:lumOff val="5000"/>
+            </a:schemeClr>
+          </a:solidFill>
+          <a:ln>
+            <a:noFill/>
+          </a:ln>
+        </p:spPr>
+        <p:style>
+          <a:lnRef idx="2">
+            <a:schemeClr val="accent1">
+              <a:shade val="15000"/>
+            </a:schemeClr>
+          </a:lnRef>
+          <a:fillRef idx="1">
+            <a:schemeClr val="accent1"/>
+          </a:fillRef>
+          <a:effectRef idx="0">
+            <a:schemeClr val="accent1"/>
+          </a:effectRef>
+          <a:fontRef idx="minor">
+            <a:schemeClr val="lt1"/>
+          </a:fontRef>
+        </p:style>
+        <p:txBody>
+          <a:bodyPr rtlCol="0" anchor="ctr"/>
+          <a:lstStyle/>
+          <a:p>
+            <a:pPr algn="ctr"/>
+            <a:endParaRPr lang="es-MX" dirty="0"/>
+          </a:p>
+        </p:txBody>
+      </p:sp>
+      <p:sp>
+        <p:nvSpPr>
+          <p:cNvPr id="4" name="Rectángulo 3">
+            <a:extLst>
+              <a:ext uri="{FF2B5EF4-FFF2-40B4-BE49-F238E27FC236}">
+                <a16:creationId xmlns:a16="http://schemas.microsoft.com/office/drawing/2014/main" id="{99F58293-D83A-9778-A0EB-70A0C92B0881}"/>
+              </a:ext>
+            </a:extLst>
+          </p:cNvPr>
+          <p:cNvSpPr/>
+          <p:nvPr/>
+        </p:nvSpPr>
+        <p:spPr>
+          <a:xfrm>
+            <a:off x="-1" y="-1"/>
+            <a:ext cx="5677763" cy="6858001"/>
+          </a:xfrm>
+          <a:prstGeom prst="rect">
+            <a:avLst/>
+          </a:prstGeom>
+          <a:solidFill>
+            <a:schemeClr val="bg2">
+              <a:lumMod val="10000"/>
+            </a:schemeClr>
+          </a:solidFill>
+          <a:ln>
+            <a:noFill/>
+          </a:ln>
+          <a:effectLst>
+            <a:outerShdw blurRad="50800" dist="38100" dir="10800000" algn="r" rotWithShape="0">
+              <a:prstClr val="black">
+                <a:alpha val="40000"/>
+              </a:prstClr>
+            </a:outerShdw>
+          </a:effectLst>
+        </p:spPr>
+        <p:style>
+          <a:lnRef idx="2">
+            <a:schemeClr val="accent1">
+              <a:shade val="15000"/>
+            </a:schemeClr>
+          </a:lnRef>
+          <a:fillRef idx="1">
+            <a:schemeClr val="accent1"/>
+          </a:fillRef>
+          <a:effectRef idx="0">
+            <a:schemeClr val="accent1"/>
+          </a:effectRef>
+          <a:fontRef idx="minor">
+            <a:schemeClr val="lt1"/>
+          </a:fontRef>
+        </p:style>
+        <p:txBody>
+          <a:bodyPr rtlCol="0" anchor="ctr"/>
+          <a:lstStyle/>
+          <a:p>
+            <a:pPr algn="ctr"/>
+            <a:endParaRPr lang="es-MX"/>
+          </a:p>
+        </p:txBody>
+      </p:sp>
+      <p:pic>
+        <p:nvPicPr>
+          <p:cNvPr id="6" name="Imagen 5" descr="Un dibujo de una persona&#10;&#10;Descripción generada automáticamente con confianza baja">
+            <a:extLst>
+              <a:ext uri="{FF2B5EF4-FFF2-40B4-BE49-F238E27FC236}">
+                <a16:creationId xmlns:a16="http://schemas.microsoft.com/office/drawing/2014/main" id="{28AAC4FF-BFC4-CD1D-E009-E481FADD77A6}"/>
+              </a:ext>
+            </a:extLst>
+          </p:cNvPr>
+          <p:cNvPicPr>
+            <a:picLocks noChangeAspect="1"/>
+          </p:cNvPicPr>
+          <p:nvPr/>
+        </p:nvPicPr>
+        <p:blipFill>
+          <a:blip r:embed="rId2">
+            <a:extLst>
+              <a:ext uri="{28A0092B-C50C-407E-A947-70E740481C1C}">
+                <a14:useLocalDpi xmlns:a14="http://schemas.microsoft.com/office/drawing/2010/main" val="0"/>
+              </a:ext>
+            </a:extLst>
+          </a:blip>
+          <a:stretch>
+            <a:fillRect/>
+          </a:stretch>
+        </p:blipFill>
+        <p:spPr>
+          <a:xfrm>
+            <a:off x="926973" y="400212"/>
+            <a:ext cx="3823812" cy="3752339"/>
+          </a:xfrm>
+          <a:prstGeom prst="rect">
+            <a:avLst/>
+          </a:prstGeom>
+        </p:spPr>
+      </p:pic>
+      <p:sp>
+        <p:nvSpPr>
+          <p:cNvPr id="7" name="CuadroTexto 6">
+            <a:extLst>
+              <a:ext uri="{FF2B5EF4-FFF2-40B4-BE49-F238E27FC236}">
+                <a16:creationId xmlns:a16="http://schemas.microsoft.com/office/drawing/2014/main" id="{37D908C7-481F-4CEF-2C6A-12128028B870}"/>
+              </a:ext>
+            </a:extLst>
+          </p:cNvPr>
+          <p:cNvSpPr txBox="1"/>
+          <p:nvPr/>
+        </p:nvSpPr>
+        <p:spPr>
+          <a:xfrm>
+            <a:off x="425649" y="3967885"/>
+            <a:ext cx="4826461" cy="584775"/>
+          </a:xfrm>
+          <a:prstGeom prst="rect">
+            <a:avLst/>
+          </a:prstGeom>
+          <a:noFill/>
+        </p:spPr>
+        <p:txBody>
+          <a:bodyPr wrap="square" rtlCol="0">
+            <a:spAutoFit/>
+          </a:bodyPr>
+          <a:lstStyle/>
+          <a:p>
+            <a:pPr algn="ctr"/>
+            <a:r>
+              <a:rPr lang="es-MX" sz="3200" dirty="0">
+                <a:solidFill>
+                  <a:schemeClr val="bg1"/>
+                </a:solidFill>
+              </a:rPr>
+              <a:t>Cloud </a:t>
+            </a:r>
+            <a:r>
+              <a:rPr lang="es-MX" sz="3200" dirty="0">
+                <a:solidFill>
+                  <a:srgbClr val="00B0F0"/>
+                </a:solidFill>
+              </a:rPr>
+              <a:t>Heaven</a:t>
+            </a:r>
+          </a:p>
+        </p:txBody>
+      </p:sp>
+      <p:sp>
+        <p:nvSpPr>
+          <p:cNvPr id="9" name="Rectángulo: esquinas redondeadas 8">
+            <a:extLst>
+              <a:ext uri="{FF2B5EF4-FFF2-40B4-BE49-F238E27FC236}">
+                <a16:creationId xmlns:a16="http://schemas.microsoft.com/office/drawing/2014/main" id="{1F3775C2-7039-7333-B9BA-20C13B0CE880}"/>
+              </a:ext>
+            </a:extLst>
+          </p:cNvPr>
+          <p:cNvSpPr/>
+          <p:nvPr/>
+        </p:nvSpPr>
+        <p:spPr>
+          <a:xfrm>
+            <a:off x="6604735" y="1199522"/>
+            <a:ext cx="3049855" cy="558926"/>
+          </a:xfrm>
+          <a:prstGeom prst="roundRect">
+            <a:avLst/>
+          </a:prstGeom>
+          <a:noFill/>
+          <a:ln>
+            <a:noFill/>
+          </a:ln>
+        </p:spPr>
+        <p:style>
+          <a:lnRef idx="0">
+            <a:scrgbClr r="0" g="0" b="0"/>
+          </a:lnRef>
+          <a:fillRef idx="0">
+            <a:scrgbClr r="0" g="0" b="0"/>
+          </a:fillRef>
+          <a:effectRef idx="0">
+            <a:scrgbClr r="0" g="0" b="0"/>
+          </a:effectRef>
+          <a:fontRef idx="minor">
+            <a:schemeClr val="dk1"/>
+          </a:fontRef>
+        </p:style>
+        <p:txBody>
+          <a:bodyPr rtlCol="0" anchor="ctr"/>
+          <a:lstStyle/>
+          <a:p>
+            <a:r>
+              <a:rPr lang="es-MX" dirty="0">
+                <a:solidFill>
+                  <a:schemeClr val="bg1"/>
+                </a:solidFill>
+              </a:rPr>
+              <a:t>Correo electrónico</a:t>
+            </a:r>
+          </a:p>
+        </p:txBody>
+      </p:sp>
+      <p:sp>
+        <p:nvSpPr>
+          <p:cNvPr id="10" name="Rectángulo: esquinas redondeadas 9">
+            <a:extLst>
+              <a:ext uri="{FF2B5EF4-FFF2-40B4-BE49-F238E27FC236}">
+                <a16:creationId xmlns:a16="http://schemas.microsoft.com/office/drawing/2014/main" id="{C4FF610D-7FC2-C836-E1CC-DB7C8E5083F7}"/>
+              </a:ext>
+            </a:extLst>
+          </p:cNvPr>
+          <p:cNvSpPr/>
+          <p:nvPr/>
+        </p:nvSpPr>
+        <p:spPr>
+          <a:xfrm>
+            <a:off x="6667002" y="1838052"/>
+            <a:ext cx="4598025" cy="654777"/>
+          </a:xfrm>
+          <a:prstGeom prst="roundRect">
+            <a:avLst/>
+          </a:prstGeom>
+        </p:spPr>
+        <p:style>
+          <a:lnRef idx="2">
+            <a:schemeClr val="dk1">
+              <a:shade val="15000"/>
+            </a:schemeClr>
+          </a:lnRef>
+          <a:fillRef idx="1">
+            <a:schemeClr val="dk1"/>
+          </a:fillRef>
+          <a:effectRef idx="0">
+            <a:schemeClr val="dk1"/>
+          </a:effectRef>
+          <a:fontRef idx="minor">
+            <a:schemeClr val="lt1"/>
+          </a:fontRef>
+        </p:style>
+        <p:txBody>
+          <a:bodyPr rtlCol="0" anchor="ctr"/>
+          <a:lstStyle/>
+          <a:p>
+            <a:pPr algn="ctr"/>
+            <a:endParaRPr lang="es-MX"/>
+          </a:p>
+        </p:txBody>
+      </p:sp>
+      <p:sp>
+        <p:nvSpPr>
+          <p:cNvPr id="12" name="Rectángulo: esquinas redondeadas 11">
+            <a:extLst>
+              <a:ext uri="{FF2B5EF4-FFF2-40B4-BE49-F238E27FC236}">
+                <a16:creationId xmlns:a16="http://schemas.microsoft.com/office/drawing/2014/main" id="{6DB1CA33-BD92-4250-9905-F1DE4E9BD7A1}"/>
+              </a:ext>
+            </a:extLst>
+          </p:cNvPr>
+          <p:cNvSpPr/>
+          <p:nvPr/>
+        </p:nvSpPr>
+        <p:spPr>
+          <a:xfrm>
+            <a:off x="6604734" y="3012837"/>
+            <a:ext cx="3049855" cy="558926"/>
+          </a:xfrm>
+          <a:prstGeom prst="roundRect">
+            <a:avLst/>
+          </a:prstGeom>
+          <a:noFill/>
+          <a:ln>
+            <a:noFill/>
+          </a:ln>
+        </p:spPr>
+        <p:style>
+          <a:lnRef idx="0">
+            <a:scrgbClr r="0" g="0" b="0"/>
+          </a:lnRef>
+          <a:fillRef idx="0">
+            <a:scrgbClr r="0" g="0" b="0"/>
+          </a:fillRef>
+          <a:effectRef idx="0">
+            <a:scrgbClr r="0" g="0" b="0"/>
+          </a:effectRef>
+          <a:fontRef idx="minor">
+            <a:schemeClr val="dk1"/>
+          </a:fontRef>
+        </p:style>
+        <p:txBody>
+          <a:bodyPr rtlCol="0" anchor="ctr"/>
+          <a:lstStyle/>
+          <a:p>
+            <a:r>
+              <a:rPr lang="es-MX" dirty="0">
+                <a:solidFill>
+                  <a:schemeClr val="bg1"/>
+                </a:solidFill>
+              </a:rPr>
+              <a:t>Contraseña</a:t>
+            </a:r>
+          </a:p>
+        </p:txBody>
+      </p:sp>
+      <p:sp>
+        <p:nvSpPr>
+          <p:cNvPr id="13" name="Rectángulo: esquinas redondeadas 12">
+            <a:extLst>
+              <a:ext uri="{FF2B5EF4-FFF2-40B4-BE49-F238E27FC236}">
+                <a16:creationId xmlns:a16="http://schemas.microsoft.com/office/drawing/2014/main" id="{EEED2792-CAAA-9263-0654-ACD945478E9B}"/>
+              </a:ext>
+            </a:extLst>
+          </p:cNvPr>
+          <p:cNvSpPr/>
+          <p:nvPr/>
+        </p:nvSpPr>
+        <p:spPr>
+          <a:xfrm>
+            <a:off x="8183085" y="4817429"/>
+            <a:ext cx="1565858" cy="340067"/>
+          </a:xfrm>
+          <a:prstGeom prst="roundRect">
+            <a:avLst/>
+          </a:prstGeom>
+          <a:solidFill>
+            <a:srgbClr val="00B0F0"/>
+          </a:solidFill>
+        </p:spPr>
+        <p:style>
+          <a:lnRef idx="2">
+            <a:schemeClr val="dk1"/>
+          </a:lnRef>
+          <a:fillRef idx="1">
+            <a:schemeClr val="lt1"/>
+          </a:fillRef>
+          <a:effectRef idx="0">
+            <a:schemeClr val="dk1"/>
+          </a:effectRef>
+          <a:fontRef idx="minor">
+            <a:schemeClr val="dk1"/>
+          </a:fontRef>
+        </p:style>
+        <p:txBody>
+          <a:bodyPr rtlCol="0" anchor="ctr"/>
+          <a:lstStyle/>
+          <a:p>
+            <a:pPr algn="ctr"/>
+            <a:r>
+              <a:rPr lang="es-MX" dirty="0">
+                <a:solidFill>
+                  <a:schemeClr val="bg1"/>
+                </a:solidFill>
+              </a:rPr>
+              <a:t>Ingresar</a:t>
+            </a:r>
+            <a:endParaRPr lang="es-MX" sz="700" dirty="0">
+              <a:solidFill>
+                <a:schemeClr val="bg1"/>
+              </a:solidFill>
+            </a:endParaRPr>
+          </a:p>
+        </p:txBody>
+      </p:sp>
+      <p:sp>
+        <p:nvSpPr>
+          <p:cNvPr id="14" name="Rectángulo: esquinas redondeadas 13">
+            <a:extLst>
+              <a:ext uri="{FF2B5EF4-FFF2-40B4-BE49-F238E27FC236}">
+                <a16:creationId xmlns:a16="http://schemas.microsoft.com/office/drawing/2014/main" id="{3340B68A-96BC-BC63-4140-85D09DBD5BBF}"/>
+              </a:ext>
+            </a:extLst>
+          </p:cNvPr>
+          <p:cNvSpPr/>
+          <p:nvPr/>
+        </p:nvSpPr>
+        <p:spPr>
+          <a:xfrm>
+            <a:off x="6667002" y="4073524"/>
+            <a:ext cx="4304803" cy="558926"/>
+          </a:xfrm>
+          <a:prstGeom prst="roundRect">
+            <a:avLst/>
+          </a:prstGeom>
+          <a:noFill/>
+          <a:ln>
+            <a:noFill/>
+          </a:ln>
+        </p:spPr>
+        <p:style>
+          <a:lnRef idx="0">
+            <a:scrgbClr r="0" g="0" b="0"/>
+          </a:lnRef>
+          <a:fillRef idx="0">
+            <a:scrgbClr r="0" g="0" b="0"/>
+          </a:fillRef>
+          <a:effectRef idx="0">
+            <a:scrgbClr r="0" g="0" b="0"/>
+          </a:effectRef>
+          <a:fontRef idx="minor">
+            <a:schemeClr val="dk1"/>
+          </a:fontRef>
+        </p:style>
+        <p:txBody>
+          <a:bodyPr rtlCol="0" anchor="ctr"/>
+          <a:lstStyle/>
+          <a:p>
+            <a:r>
+              <a:rPr lang="es-MX" sz="1600" dirty="0">
+                <a:solidFill>
+                  <a:srgbClr val="00B0F0"/>
+                </a:solidFill>
+              </a:rPr>
+              <a:t>¿Eres nuevo? Registrate aquí.</a:t>
+            </a:r>
+          </a:p>
+        </p:txBody>
+      </p:sp>
+      <p:sp>
+        <p:nvSpPr>
+          <p:cNvPr id="15" name="Rectángulo: esquinas redondeadas 14">
+            <a:extLst>
+              <a:ext uri="{FF2B5EF4-FFF2-40B4-BE49-F238E27FC236}">
+                <a16:creationId xmlns:a16="http://schemas.microsoft.com/office/drawing/2014/main" id="{AC3C68DD-277C-E445-2D8A-ABD66B23396F}"/>
+              </a:ext>
+            </a:extLst>
+          </p:cNvPr>
+          <p:cNvSpPr/>
+          <p:nvPr/>
+        </p:nvSpPr>
+        <p:spPr>
+          <a:xfrm>
+            <a:off x="6667002" y="3497774"/>
+            <a:ext cx="4598025" cy="654777"/>
+          </a:xfrm>
+          <a:prstGeom prst="roundRect">
+            <a:avLst/>
+          </a:prstGeom>
+        </p:spPr>
+        <p:style>
+          <a:lnRef idx="2">
+            <a:schemeClr val="dk1">
+              <a:shade val="15000"/>
+            </a:schemeClr>
+          </a:lnRef>
+          <a:fillRef idx="1">
+            <a:schemeClr val="dk1"/>
+          </a:fillRef>
+          <a:effectRef idx="0">
+            <a:schemeClr val="dk1"/>
+          </a:effectRef>
+          <a:fontRef idx="minor">
+            <a:schemeClr val="lt1"/>
+          </a:fontRef>
+        </p:style>
+        <p:txBody>
+          <a:bodyPr rtlCol="0" anchor="ctr"/>
+          <a:lstStyle/>
+          <a:p>
+            <a:pPr algn="ctr"/>
+            <a:endParaRPr lang="es-MX"/>
+          </a:p>
+        </p:txBody>
+      </p:sp>
+    </p:spTree>
+    <p:extLst>
+      <p:ext uri="{BB962C8B-B14F-4D97-AF65-F5344CB8AC3E}">
+        <p14:creationId xmlns:p14="http://schemas.microsoft.com/office/powerpoint/2010/main" val="3731270928"/>
+      </p:ext>
+    </p:extLst>
+  </p:cSld>
+  <p:clrMapOvr>
+    <a:masterClrMapping/>
+  </p:clrMapOvr>
+</p:sld>
+</file>
+
+<file path=ppt/slides/slide3.xml><?xml version="1.0" encoding="utf-8"?>
+<p:sld xmlns:a="http://schemas.openxmlformats.org/drawingml/2006/main" xmlns:r="http://schemas.openxmlformats.org/officeDocument/2006/relationships" xmlns:p="http://schemas.openxmlformats.org/presentationml/2006/main">
+  <p:cSld>
+    <p:bg>
+      <p:bgPr>
+        <a:solidFill>
+          <a:schemeClr val="tx1">
+            <a:lumMod val="85000"/>
+            <a:lumOff val="15000"/>
+          </a:schemeClr>
+        </a:solidFill>
+        <a:effectLst/>
+      </p:bgPr>
+    </p:bg>
+    <p:spTree>
+      <p:nvGrpSpPr>
+        <p:cNvPr id="1" name="">
+          <a:extLst>
+            <a:ext uri="{FF2B5EF4-FFF2-40B4-BE49-F238E27FC236}">
+              <a16:creationId xmlns:a16="http://schemas.microsoft.com/office/drawing/2014/main" id="{EA67A9CD-E1AE-89F7-AA46-0FE7BEFB4562}"/>
+            </a:ext>
+          </a:extLst>
+        </p:cNvPr>
+        <p:cNvGrpSpPr/>
+        <p:nvPr/>
+      </p:nvGrpSpPr>
+      <p:grpSpPr>
+        <a:xfrm>
+          <a:off x="0" y="0"/>
+          <a:ext cx="0" cy="0"/>
+          <a:chOff x="0" y="0"/>
+          <a:chExt cx="0" cy="0"/>
+        </a:xfrm>
+      </p:grpSpPr>
+      <p:sp>
+        <p:nvSpPr>
           <p:cNvPr id="5" name="CuadroTexto 4">
             <a:extLst>
               <a:ext uri="{FF2B5EF4-FFF2-40B4-BE49-F238E27FC236}">
-                <a16:creationId xmlns:a16="http://schemas.microsoft.com/office/drawing/2014/main" id="{E4CAAC54-E32D-7EAF-49BE-6CAE26D7F25B}"/>
+                <a16:creationId xmlns:a16="http://schemas.microsoft.com/office/drawing/2014/main" id="{AB90B2F9-461B-ADD5-F328-6BBA7B0590D3}"/>
               </a:ext>
             </a:extLst>
           </p:cNvPr>
@@ -4869,7 +5435,7 @@
           <p:cNvPr id="2" name="CuadroTexto 1">
             <a:extLst>
               <a:ext uri="{FF2B5EF4-FFF2-40B4-BE49-F238E27FC236}">
-                <a16:creationId xmlns:a16="http://schemas.microsoft.com/office/drawing/2014/main" id="{F70C7873-1941-D979-1859-178D5C0BC32B}"/>
+                <a16:creationId xmlns:a16="http://schemas.microsoft.com/office/drawing/2014/main" id="{57329563-71AB-9E1C-4D83-3CCE06CCB7DE}"/>
               </a:ext>
             </a:extLst>
           </p:cNvPr>
@@ -4973,7 +5539,7 @@
           <p:cNvPr id="8" name="Conector: angular 7">
             <a:extLst>
               <a:ext uri="{FF2B5EF4-FFF2-40B4-BE49-F238E27FC236}">
-                <a16:creationId xmlns:a16="http://schemas.microsoft.com/office/drawing/2014/main" id="{41CE3D2D-D0A9-5C32-5E6F-9EE449F1118D}"/>
+                <a16:creationId xmlns:a16="http://schemas.microsoft.com/office/drawing/2014/main" id="{D7ABD4F7-49FD-290B-24D3-BAB9565D502C}"/>
               </a:ext>
             </a:extLst>
           </p:cNvPr>
@@ -5018,7 +5584,7 @@
           <p:cNvPr id="32" name="CuadroTexto 31">
             <a:extLst>
               <a:ext uri="{FF2B5EF4-FFF2-40B4-BE49-F238E27FC236}">
-                <a16:creationId xmlns:a16="http://schemas.microsoft.com/office/drawing/2014/main" id="{05EFE607-33E1-61D4-681C-60CCC1AAD40E}"/>
+                <a16:creationId xmlns:a16="http://schemas.microsoft.com/office/drawing/2014/main" id="{12F4FC63-6D51-80B8-DD5C-3831BB257476}"/>
               </a:ext>
             </a:extLst>
           </p:cNvPr>
@@ -5057,7 +5623,7 @@
           <p:cNvPr id="33" name="CuadroTexto 32">
             <a:extLst>
               <a:ext uri="{FF2B5EF4-FFF2-40B4-BE49-F238E27FC236}">
-                <a16:creationId xmlns:a16="http://schemas.microsoft.com/office/drawing/2014/main" id="{B906FD5B-6A49-1258-E927-55D0E8F7D8D3}"/>
+                <a16:creationId xmlns:a16="http://schemas.microsoft.com/office/drawing/2014/main" id="{32857D81-47CA-E633-E6C0-E5070DFE3C25}"/>
               </a:ext>
             </a:extLst>
           </p:cNvPr>
@@ -5161,7 +5727,7 @@
           <p:cNvPr id="34" name="Conector: angular 33">
             <a:extLst>
               <a:ext uri="{FF2B5EF4-FFF2-40B4-BE49-F238E27FC236}">
-                <a16:creationId xmlns:a16="http://schemas.microsoft.com/office/drawing/2014/main" id="{00CB79DC-EE7B-CF41-12CA-F2A5210103FB}"/>
+                <a16:creationId xmlns:a16="http://schemas.microsoft.com/office/drawing/2014/main" id="{BF3225A7-2A1B-4D86-5E23-2891BF0D001A}"/>
               </a:ext>
             </a:extLst>
           </p:cNvPr>
@@ -5206,7 +5772,7 @@
           <p:cNvPr id="36" name="CuadroTexto 35">
             <a:extLst>
               <a:ext uri="{FF2B5EF4-FFF2-40B4-BE49-F238E27FC236}">
-                <a16:creationId xmlns:a16="http://schemas.microsoft.com/office/drawing/2014/main" id="{EF256F85-5AE3-6480-1C7E-C447ECFF3D7C}"/>
+                <a16:creationId xmlns:a16="http://schemas.microsoft.com/office/drawing/2014/main" id="{6DC3A165-677E-8BC3-7025-17E32B552CA2}"/>
               </a:ext>
             </a:extLst>
           </p:cNvPr>
@@ -5245,7 +5811,7 @@
           <p:cNvPr id="37" name="CuadroTexto 36">
             <a:extLst>
               <a:ext uri="{FF2B5EF4-FFF2-40B4-BE49-F238E27FC236}">
-                <a16:creationId xmlns:a16="http://schemas.microsoft.com/office/drawing/2014/main" id="{1BBB0F47-EF0C-9351-E98C-D2097367ECEF}"/>
+                <a16:creationId xmlns:a16="http://schemas.microsoft.com/office/drawing/2014/main" id="{951C790F-E3C3-F5F5-3DB1-AEC5A7EA29F5}"/>
               </a:ext>
             </a:extLst>
           </p:cNvPr>
@@ -5282,7 +5848,7 @@
     </p:spTree>
     <p:extLst>
       <p:ext uri="{BB962C8B-B14F-4D97-AF65-F5344CB8AC3E}">
-        <p14:creationId xmlns:p14="http://schemas.microsoft.com/office/powerpoint/2010/main" val="3731270928"/>
+        <p14:creationId xmlns:p14="http://schemas.microsoft.com/office/powerpoint/2010/main" val="3480682937"/>
       </p:ext>
     </p:extLst>
   </p:cSld>
